--- a/Lectures/Week10/Lecture16.pptx
+++ b/Lectures/Week10/Lecture16.pptx
@@ -7092,8 +7092,8 @@
           </a:p>
         </p:txBody>
       </p:sp>
-      <mc:AlternateContent xmlns:mc="http://schemas.openxmlformats.org/markup-compatibility/2006" xmlns:a14="http://schemas.microsoft.com/office/drawing/2010/main">
-        <mc:Choice Requires="a14">
+      <mc:AlternateContent xmlns:mc="http://schemas.openxmlformats.org/markup-compatibility/2006">
+        <mc:Choice xmlns:a14="http://schemas.microsoft.com/office/drawing/2010/main" Requires="a14">
           <p:sp>
             <p:nvSpPr>
               <p:cNvPr id="8" name="Content Placeholder 7">
@@ -8033,7 +8033,7 @@
                 </a:pPr>
                 <a:r>
                   <a:rPr lang="en-US" dirty="0"/>
-                  <a:t>This forms yields a Jacobian that is easy to compute. The function </a:t>
+                  <a:t>This form yields a Jacobian that is easy to compute. The function </a:t>
                 </a:r>
                 <a14:m>
                   <m:oMath xmlns:m="http://schemas.openxmlformats.org/officeDocument/2006/math">
@@ -8252,7 +8252,7 @@
             </p:txBody>
           </p:sp>
         </mc:Choice>
-        <mc:Fallback xmlns="">
+        <mc:Fallback>
           <p:sp>
             <p:nvSpPr>
               <p:cNvPr id="8" name="Content Placeholder 7">
@@ -15485,8 +15485,8 @@
           </a:p>
         </p:txBody>
       </p:sp>
-      <mc:AlternateContent xmlns:mc="http://schemas.openxmlformats.org/markup-compatibility/2006">
-        <mc:Choice xmlns:a14="http://schemas.microsoft.com/office/drawing/2010/main" Requires="a14">
+      <mc:AlternateContent xmlns:mc="http://schemas.openxmlformats.org/markup-compatibility/2006" xmlns:a14="http://schemas.microsoft.com/office/drawing/2010/main">
+        <mc:Choice Requires="a14">
           <p:sp>
             <p:nvSpPr>
               <p:cNvPr id="8" name="Content Placeholder 7">
@@ -16222,7 +16222,7 @@
             </p:txBody>
           </p:sp>
         </mc:Choice>
-        <mc:Fallback>
+        <mc:Fallback xmlns="">
           <p:sp>
             <p:nvSpPr>
               <p:cNvPr id="8" name="Content Placeholder 7">
@@ -16704,8 +16704,8 @@
           </a:p>
         </p:txBody>
       </p:sp>
-      <mc:AlternateContent xmlns:mc="http://schemas.openxmlformats.org/markup-compatibility/2006">
-        <mc:Choice xmlns:a14="http://schemas.microsoft.com/office/drawing/2010/main" Requires="a14">
+      <mc:AlternateContent xmlns:mc="http://schemas.openxmlformats.org/markup-compatibility/2006" xmlns:a14="http://schemas.microsoft.com/office/drawing/2010/main">
+        <mc:Choice Requires="a14">
           <p:sp>
             <p:nvSpPr>
               <p:cNvPr id="8" name="Content Placeholder 7">
@@ -17934,7 +17934,7 @@
             </p:txBody>
           </p:sp>
         </mc:Choice>
-        <mc:Fallback>
+        <mc:Fallback xmlns="">
           <p:sp>
             <p:nvSpPr>
               <p:cNvPr id="8" name="Content Placeholder 7">
@@ -18176,8 +18176,8 @@
           </a:p>
         </p:txBody>
       </p:sp>
-      <mc:AlternateContent xmlns:mc="http://schemas.openxmlformats.org/markup-compatibility/2006">
-        <mc:Choice xmlns:a14="http://schemas.microsoft.com/office/drawing/2010/main" Requires="a14">
+      <mc:AlternateContent xmlns:mc="http://schemas.openxmlformats.org/markup-compatibility/2006" xmlns:a14="http://schemas.microsoft.com/office/drawing/2010/main">
+        <mc:Choice Requires="a14">
           <p:sp>
             <p:nvSpPr>
               <p:cNvPr id="8" name="Content Placeholder 7">
@@ -19749,7 +19749,7 @@
             </p:txBody>
           </p:sp>
         </mc:Choice>
-        <mc:Fallback>
+        <mc:Fallback xmlns="">
           <p:sp>
             <p:nvSpPr>
               <p:cNvPr id="8" name="Content Placeholder 7">
@@ -19870,8 +19870,8 @@
           </a:p>
         </p:txBody>
       </p:sp>
-      <mc:AlternateContent xmlns:mc="http://schemas.openxmlformats.org/markup-compatibility/2006">
-        <mc:Choice xmlns:a14="http://schemas.microsoft.com/office/drawing/2010/main" Requires="a14">
+      <mc:AlternateContent xmlns:mc="http://schemas.openxmlformats.org/markup-compatibility/2006" xmlns:a14="http://schemas.microsoft.com/office/drawing/2010/main">
+        <mc:Choice Requires="a14">
           <p:sp>
             <p:nvSpPr>
               <p:cNvPr id="8" name="Content Placeholder 7">
@@ -21387,7 +21387,7 @@
             </p:txBody>
           </p:sp>
         </mc:Choice>
-        <mc:Fallback>
+        <mc:Fallback xmlns="">
           <p:sp>
             <p:nvSpPr>
               <p:cNvPr id="8" name="Content Placeholder 7">
@@ -21593,8 +21593,8 @@
           </a:p>
         </p:txBody>
       </p:sp>
-      <mc:AlternateContent xmlns:mc="http://schemas.openxmlformats.org/markup-compatibility/2006">
-        <mc:Choice xmlns:a14="http://schemas.microsoft.com/office/drawing/2010/main" Requires="a14">
+      <mc:AlternateContent xmlns:mc="http://schemas.openxmlformats.org/markup-compatibility/2006" xmlns:a14="http://schemas.microsoft.com/office/drawing/2010/main">
+        <mc:Choice Requires="a14">
           <p:sp>
             <p:nvSpPr>
               <p:cNvPr id="8" name="Content Placeholder 7">
@@ -21963,7 +21963,7 @@
             </p:txBody>
           </p:sp>
         </mc:Choice>
-        <mc:Fallback>
+        <mc:Fallback xmlns="">
           <p:sp>
             <p:nvSpPr>
               <p:cNvPr id="8" name="Content Placeholder 7">

--- a/Lectures/Week10/Lecture16.pptx
+++ b/Lectures/Week10/Lecture16.pptx
@@ -8014,7 +8014,23 @@
                       <a:schemeClr val="tx1"/>
                     </a:solidFill>
                   </a:rPr>
-                  <a:t>applied elementwise to its vector argument.</a:t>
+                  <a:t>applied </a:t>
+                </a:r>
+                <a:r>
+                  <a:rPr lang="en-US" i="1" dirty="0">
+                    <a:solidFill>
+                      <a:schemeClr val="tx1"/>
+                    </a:solidFill>
+                  </a:rPr>
+                  <a:t>elementwise</a:t>
+                </a:r>
+                <a:r>
+                  <a:rPr lang="en-US" dirty="0">
+                    <a:solidFill>
+                      <a:schemeClr val="tx1"/>
+                    </a:solidFill>
+                  </a:rPr>
+                  <a:t> to its vector argument.</a:t>
                 </a:r>
               </a:p>
               <a:p>
@@ -11189,8 +11205,8 @@
           </p:sp>
         </mc:Fallback>
       </mc:AlternateContent>
-      <mc:AlternateContent xmlns:mc="http://schemas.openxmlformats.org/markup-compatibility/2006" xmlns:a14="http://schemas.microsoft.com/office/drawing/2010/main">
-        <mc:Choice Requires="a14">
+      <mc:AlternateContent xmlns:mc="http://schemas.openxmlformats.org/markup-compatibility/2006">
+        <mc:Choice xmlns:a14="http://schemas.microsoft.com/office/drawing/2010/main" Requires="a14">
           <p:sp>
             <p:nvSpPr>
               <p:cNvPr id="8" name="Content Placeholder 7">
@@ -11288,39 +11304,7 @@
                       <a:srgbClr val="0033CC"/>
                     </a:solidFill>
                   </a:rPr>
-                  <a:t># dim(</a:t>
-                </a:r>
-                <a:r>
-                  <a:rPr lang="en-US" i="1" dirty="0">
-                    <a:solidFill>
-                      <a:srgbClr val="0033CC"/>
-                    </a:solidFill>
-                  </a:rPr>
-                  <a:t>b</a:t>
-                </a:r>
-                <a:r>
-                  <a:rPr lang="en-US" dirty="0">
-                    <a:solidFill>
-                      <a:srgbClr val="0033CC"/>
-                    </a:solidFill>
-                  </a:rPr>
-                  <a:t>) = </a:t>
-                </a:r>
-                <a:r>
-                  <a:rPr lang="en-US" i="1" dirty="0">
-                    <a:solidFill>
-                      <a:srgbClr val="0033CC"/>
-                    </a:solidFill>
-                  </a:rPr>
-                  <a:t>D</a:t>
-                </a:r>
-                <a:r>
-                  <a:rPr lang="en-US" dirty="0">
-                    <a:solidFill>
-                      <a:srgbClr val="0033CC"/>
-                    </a:solidFill>
-                  </a:rPr>
-                  <a:t>, </a:t>
+                  <a:t># </a:t>
                 </a:r>
                 <a:r>
                   <a:rPr lang="en-US" b="0" dirty="0">
@@ -11343,9 +11327,56 @@
                     </m:r>
                   </m:oMath>
                 </a14:m>
+                <a:r>
+                  <a:rPr lang="en-US" b="0" dirty="0">
+                    <a:solidFill>
+                      <a:schemeClr val="tx1"/>
+                    </a:solidFill>
+                  </a:rPr>
+                  <a:t>, </a:t>
+                </a:r>
+                <a:r>
+                  <a:rPr lang="en-US" b="0" dirty="0">
+                    <a:solidFill>
+                      <a:srgbClr val="0033CC"/>
+                    </a:solidFill>
+                  </a:rPr>
+                  <a:t>dim(0) = </a:t>
+                </a:r>
+                <a14:m>
+                  <m:oMath xmlns:m="http://schemas.openxmlformats.org/officeDocument/2006/math">
+                    <m:r>
+                      <a:rPr lang="en-US" b="0" i="1" smtClean="0">
+                        <a:solidFill>
+                          <a:srgbClr val="0033CC"/>
+                        </a:solidFill>
+                        <a:latin typeface="Cambria Math" panose="02040503050406030204" pitchFamily="18" charset="0"/>
+                      </a:rPr>
+                      <m:t>𝐷</m:t>
+                    </m:r>
+                    <m:r>
+                      <a:rPr lang="en-US" b="0" i="1" smtClean="0">
+                        <a:solidFill>
+                          <a:srgbClr val="0033CC"/>
+                        </a:solidFill>
+                        <a:latin typeface="Cambria Math" panose="02040503050406030204" pitchFamily="18" charset="0"/>
+                      </a:rPr>
+                      <m:t>−</m:t>
+                    </m:r>
+                    <m:r>
+                      <a:rPr lang="en-US" b="0" i="1" smtClean="0">
+                        <a:solidFill>
+                          <a:srgbClr val="0033CC"/>
+                        </a:solidFill>
+                        <a:latin typeface="Cambria Math" panose="02040503050406030204" pitchFamily="18" charset="0"/>
+                      </a:rPr>
+                      <m:t>𝑑</m:t>
+                    </m:r>
+                  </m:oMath>
+                </a14:m>
                 <a:endParaRPr lang="en-US" b="0" dirty="0">
                   <a:solidFill>
-                    <a:schemeClr val="tx1"/>
+                    <a:srgbClr val="0033CC"/>
                   </a:solidFill>
                 </a:endParaRPr>
               </a:p>
@@ -12758,7 +12789,7 @@
             </p:txBody>
           </p:sp>
         </mc:Choice>
-        <mc:Fallback xmlns="">
+        <mc:Fallback>
           <p:sp>
             <p:nvSpPr>
               <p:cNvPr id="8" name="Content Placeholder 7">
@@ -13076,8 +13107,8 @@
           </p:sp>
         </mc:Fallback>
       </mc:AlternateContent>
-      <mc:AlternateContent xmlns:mc="http://schemas.openxmlformats.org/markup-compatibility/2006" xmlns:a14="http://schemas.microsoft.com/office/drawing/2010/main">
-        <mc:Choice Requires="a14">
+      <mc:AlternateContent xmlns:mc="http://schemas.openxmlformats.org/markup-compatibility/2006">
+        <mc:Choice xmlns:a14="http://schemas.microsoft.com/office/drawing/2010/main" Requires="a14">
           <p:sp>
             <p:nvSpPr>
               <p:cNvPr id="8" name="Content Placeholder 7">
@@ -13163,36 +13194,12 @@
                       <a:srgbClr val="0033CC"/>
                     </a:solidFill>
                   </a:rPr>
-                  <a:t># dim(b) = </a:t>
-                </a:r>
-                <a:r>
-                  <a:rPr lang="en-US" i="1" dirty="0">
-                    <a:solidFill>
-                      <a:srgbClr val="0033CC"/>
-                    </a:solidFill>
-                  </a:rPr>
-                  <a:t>D</a:t>
-                </a:r>
-                <a:r>
-                  <a:rPr lang="en-US" dirty="0">
-                    <a:solidFill>
-                      <a:srgbClr val="0033CC"/>
-                    </a:solidFill>
-                  </a:rPr>
-                  <a:t>, </a:t>
-                </a:r>
-                <a:r>
-                  <a:rPr lang="en-US" b="0" dirty="0">
-                    <a:solidFill>
-                      <a:srgbClr val="0033CC"/>
-                    </a:solidFill>
-                  </a:rPr>
-                  <a:t>dim(1) = </a:t>
+                  <a:t># dim(1) = </a:t>
                 </a:r>
                 <a14:m>
                   <m:oMath xmlns:m="http://schemas.openxmlformats.org/officeDocument/2006/math">
                     <m:r>
-                      <a:rPr lang="en-US" b="0" i="1" smtClean="0">
+                      <a:rPr lang="en-US" i="1">
                         <a:solidFill>
                           <a:srgbClr val="0033CC"/>
                         </a:solidFill>
@@ -13202,9 +13209,52 @@
                     </m:r>
                   </m:oMath>
                 </a14:m>
-                <a:endParaRPr lang="en-US" b="0" dirty="0">
+                <a:r>
+                  <a:rPr lang="en-US" dirty="0"/>
+                  <a:t>, </a:t>
+                </a:r>
+                <a:r>
+                  <a:rPr lang="en-US" dirty="0">
+                    <a:solidFill>
+                      <a:srgbClr val="0033CC"/>
+                    </a:solidFill>
+                  </a:rPr>
+                  <a:t>dim(0) = </a:t>
+                </a:r>
+                <a14:m>
+                  <m:oMath xmlns:m="http://schemas.openxmlformats.org/officeDocument/2006/math">
+                    <m:r>
+                      <a:rPr lang="en-US" i="1">
+                        <a:solidFill>
+                          <a:srgbClr val="0033CC"/>
+                        </a:solidFill>
+                        <a:latin typeface="Cambria Math" panose="02040503050406030204" pitchFamily="18" charset="0"/>
+                      </a:rPr>
+                      <m:t>𝐷</m:t>
+                    </m:r>
+                    <m:r>
+                      <a:rPr lang="en-US" i="1">
+                        <a:solidFill>
+                          <a:srgbClr val="0033CC"/>
+                        </a:solidFill>
+                        <a:latin typeface="Cambria Math" panose="02040503050406030204" pitchFamily="18" charset="0"/>
+                      </a:rPr>
+                      <m:t>−</m:t>
+                    </m:r>
+                    <m:r>
+                      <a:rPr lang="en-US" i="1">
+                        <a:solidFill>
+                          <a:srgbClr val="0033CC"/>
+                        </a:solidFill>
+                        <a:latin typeface="Cambria Math" panose="02040503050406030204" pitchFamily="18" charset="0"/>
+                      </a:rPr>
+                      <m:t>𝑑</m:t>
+                    </m:r>
+                  </m:oMath>
+                </a14:m>
+                <a:endParaRPr lang="en-US" dirty="0">
                   <a:solidFill>
-                    <a:schemeClr val="tx1"/>
+                    <a:srgbClr val="0033CC"/>
                   </a:solidFill>
                 </a:endParaRPr>
               </a:p>
@@ -14392,7 +14442,7 @@
             </p:txBody>
           </p:sp>
         </mc:Choice>
-        <mc:Fallback xmlns="">
+        <mc:Fallback>
           <p:sp>
             <p:nvSpPr>
               <p:cNvPr id="8" name="Content Placeholder 7">
@@ -19870,8 +19920,8 @@
           </a:p>
         </p:txBody>
       </p:sp>
-      <mc:AlternateContent xmlns:mc="http://schemas.openxmlformats.org/markup-compatibility/2006" xmlns:a14="http://schemas.microsoft.com/office/drawing/2010/main">
-        <mc:Choice Requires="a14">
+      <mc:AlternateContent xmlns:mc="http://schemas.openxmlformats.org/markup-compatibility/2006">
+        <mc:Choice xmlns:a14="http://schemas.microsoft.com/office/drawing/2010/main" Requires="a14">
           <p:sp>
             <p:nvSpPr>
               <p:cNvPr id="8" name="Content Placeholder 7">
@@ -20014,7 +20064,16 @@
                             </a:solidFill>
                             <a:latin typeface="Cambria Math" panose="02040503050406030204" pitchFamily="18" charset="0"/>
                           </a:rPr>
-                          <m:t>−1</m:t>
+                          <m:t>=</m:t>
+                        </m:r>
+                        <m:r>
+                          <a:rPr lang="en-US" b="0" i="1" smtClean="0">
+                            <a:solidFill>
+                              <a:srgbClr val="0033CC"/>
+                            </a:solidFill>
+                            <a:latin typeface="Cambria Math" panose="02040503050406030204" pitchFamily="18" charset="0"/>
+                          </a:rPr>
+                          <m:t>1</m:t>
                         </m:r>
                       </m:sub>
                       <m:sup>
@@ -20567,7 +20626,7 @@
                         <a:rPr lang="en-US" b="0" i="1" dirty="0" smtClean="0">
                           <a:latin typeface="Cambria Math" panose="02040503050406030204" pitchFamily="18" charset="0"/>
                         </a:rPr>
-                        <m:t>=</m:t>
+                        <m:t>≡</m:t>
                       </m:r>
                       <m:f>
                         <m:fPr>
@@ -20810,10 +20869,10 @@
                         </m:e>
                       </m:d>
                       <m:r>
-                        <a:rPr lang="en-US" i="1" dirty="0">
+                        <a:rPr lang="en-US" b="0" i="1" dirty="0" smtClean="0">
                           <a:latin typeface="Cambria Math" panose="02040503050406030204" pitchFamily="18" charset="0"/>
                         </a:rPr>
-                        <m:t>=</m:t>
+                        <m:t>≡</m:t>
                       </m:r>
                       <m:f>
                         <m:fPr>
@@ -21387,7 +21446,7 @@
             </p:txBody>
           </p:sp>
         </mc:Choice>
-        <mc:Fallback xmlns="">
+        <mc:Fallback>
           <p:sp>
             <p:nvSpPr>
               <p:cNvPr id="8" name="Content Placeholder 7">
